--- a/Matlab課題/hara_kazue/課題_原和江.pptx
+++ b/Matlab課題/hara_kazue/課題_原和江.pptx
@@ -5,7 +5,13 @@
     <p:sldMasterId id="2147483648" r:id="rId1"/>
   </p:sldMasterIdLst>
   <p:sldIdLst>
-    <p:sldId id="256" r:id="rId2"/>
+    <p:sldId id="258" r:id="rId2"/>
+    <p:sldId id="259" r:id="rId3"/>
+    <p:sldId id="260" r:id="rId4"/>
+    <p:sldId id="261" r:id="rId5"/>
+    <p:sldId id="262" r:id="rId6"/>
+    <p:sldId id="257" r:id="rId7"/>
+    <p:sldId id="256" r:id="rId8"/>
   </p:sldIdLst>
   <p:sldSz cx="12192000" cy="6858000"/>
   <p:notesSz cx="6858000" cy="9144000"/>
@@ -104,6 +110,11 @@
       </a:defRPr>
     </a:lvl9pPr>
   </p:defaultTextStyle>
+  <p:extLst>
+    <p:ext uri="{EFAFB233-063F-42B5-8137-9DF3F51BA10A}">
+      <p15:sldGuideLst xmlns:p15="http://schemas.microsoft.com/office/powerpoint/2012/main"/>
+    </p:ext>
+  </p:extLst>
 </p:presentation>
 </file>
 
@@ -3611,10 +3622,406 @@
       </p:grpSpPr>
       <p:pic>
         <p:nvPicPr>
-          <p:cNvPr id="5" name="図 4">
-            <a:extLst>
-              <a:ext uri="{FF2B5EF4-FFF2-40B4-BE49-F238E27FC236}">
-                <a16:creationId xmlns:a16="http://schemas.microsoft.com/office/drawing/2014/main" id="{7E35A006-380D-4CE7-9BA0-597EA5D275D5}"/>
+          <p:cNvPr id="3" name="図 2">
+            <a:extLst>
+              <a:ext uri="{FF2B5EF4-FFF2-40B4-BE49-F238E27FC236}">
+                <a16:creationId xmlns:a16="http://schemas.microsoft.com/office/drawing/2014/main" id="{C18B9F58-AA66-4A55-BE1F-C0323E36E2A4}"/>
+              </a:ext>
+            </a:extLst>
+          </p:cNvPr>
+          <p:cNvPicPr>
+            <a:picLocks noChangeAspect="1"/>
+          </p:cNvPicPr>
+          <p:nvPr/>
+        </p:nvPicPr>
+        <p:blipFill>
+          <a:blip r:embed="rId2">
+            <a:extLst>
+              <a:ext uri="{28A0092B-C50C-407E-A947-70E740481C1C}">
+                <a14:useLocalDpi xmlns:a14="http://schemas.microsoft.com/office/drawing/2010/main" val="0"/>
+              </a:ext>
+            </a:extLst>
+          </a:blip>
+          <a:stretch>
+            <a:fillRect/>
+          </a:stretch>
+        </p:blipFill>
+        <p:spPr>
+          <a:xfrm>
+            <a:off x="3424571" y="1429000"/>
+            <a:ext cx="5342857" cy="4000000"/>
+          </a:xfrm>
+          <a:prstGeom prst="rect">
+            <a:avLst/>
+          </a:prstGeom>
+        </p:spPr>
+      </p:pic>
+    </p:spTree>
+    <p:extLst>
+      <p:ext uri="{BB962C8B-B14F-4D97-AF65-F5344CB8AC3E}">
+        <p14:creationId xmlns:p14="http://schemas.microsoft.com/office/powerpoint/2010/main" val="4249128620"/>
+      </p:ext>
+    </p:extLst>
+  </p:cSld>
+  <p:clrMapOvr>
+    <a:masterClrMapping/>
+  </p:clrMapOvr>
+</p:sld>
+</file>
+
+<file path=ppt/slides/slide2.xml><?xml version="1.0" encoding="utf-8"?>
+<p:sld xmlns:a="http://schemas.openxmlformats.org/drawingml/2006/main" xmlns:r="http://schemas.openxmlformats.org/officeDocument/2006/relationships" xmlns:p="http://schemas.openxmlformats.org/presentationml/2006/main">
+  <p:cSld>
+    <p:spTree>
+      <p:nvGrpSpPr>
+        <p:cNvPr id="1" name=""/>
+        <p:cNvGrpSpPr/>
+        <p:nvPr/>
+      </p:nvGrpSpPr>
+      <p:grpSpPr>
+        <a:xfrm>
+          <a:off x="0" y="0"/>
+          <a:ext cx="0" cy="0"/>
+          <a:chOff x="0" y="0"/>
+          <a:chExt cx="0" cy="0"/>
+        </a:xfrm>
+      </p:grpSpPr>
+      <p:pic>
+        <p:nvPicPr>
+          <p:cNvPr id="3" name="図 2">
+            <a:extLst>
+              <a:ext uri="{FF2B5EF4-FFF2-40B4-BE49-F238E27FC236}">
+                <a16:creationId xmlns:a16="http://schemas.microsoft.com/office/drawing/2014/main" id="{F689CB88-0BF1-4EDC-AB5E-F996097ECEF9}"/>
+              </a:ext>
+            </a:extLst>
+          </p:cNvPr>
+          <p:cNvPicPr>
+            <a:picLocks noChangeAspect="1"/>
+          </p:cNvPicPr>
+          <p:nvPr/>
+        </p:nvPicPr>
+        <p:blipFill>
+          <a:blip r:embed="rId2">
+            <a:extLst>
+              <a:ext uri="{28A0092B-C50C-407E-A947-70E740481C1C}">
+                <a14:useLocalDpi xmlns:a14="http://schemas.microsoft.com/office/drawing/2010/main" val="0"/>
+              </a:ext>
+            </a:extLst>
+          </a:blip>
+          <a:stretch>
+            <a:fillRect/>
+          </a:stretch>
+        </p:blipFill>
+        <p:spPr>
+          <a:xfrm>
+            <a:off x="3424571" y="1429000"/>
+            <a:ext cx="5342857" cy="4000000"/>
+          </a:xfrm>
+          <a:prstGeom prst="rect">
+            <a:avLst/>
+          </a:prstGeom>
+        </p:spPr>
+      </p:pic>
+    </p:spTree>
+    <p:extLst>
+      <p:ext uri="{BB962C8B-B14F-4D97-AF65-F5344CB8AC3E}">
+        <p14:creationId xmlns:p14="http://schemas.microsoft.com/office/powerpoint/2010/main" val="3748409411"/>
+      </p:ext>
+    </p:extLst>
+  </p:cSld>
+  <p:clrMapOvr>
+    <a:masterClrMapping/>
+  </p:clrMapOvr>
+</p:sld>
+</file>
+
+<file path=ppt/slides/slide3.xml><?xml version="1.0" encoding="utf-8"?>
+<p:sld xmlns:a="http://schemas.openxmlformats.org/drawingml/2006/main" xmlns:r="http://schemas.openxmlformats.org/officeDocument/2006/relationships" xmlns:p="http://schemas.openxmlformats.org/presentationml/2006/main">
+  <p:cSld>
+    <p:spTree>
+      <p:nvGrpSpPr>
+        <p:cNvPr id="1" name=""/>
+        <p:cNvGrpSpPr/>
+        <p:nvPr/>
+      </p:nvGrpSpPr>
+      <p:grpSpPr>
+        <a:xfrm>
+          <a:off x="0" y="0"/>
+          <a:ext cx="0" cy="0"/>
+          <a:chOff x="0" y="0"/>
+          <a:chExt cx="0" cy="0"/>
+        </a:xfrm>
+      </p:grpSpPr>
+      <p:pic>
+        <p:nvPicPr>
+          <p:cNvPr id="3" name="図 2">
+            <a:extLst>
+              <a:ext uri="{FF2B5EF4-FFF2-40B4-BE49-F238E27FC236}">
+                <a16:creationId xmlns:a16="http://schemas.microsoft.com/office/drawing/2014/main" id="{C60D29B3-275E-4BB8-9683-7B751E4CCA86}"/>
+              </a:ext>
+            </a:extLst>
+          </p:cNvPr>
+          <p:cNvPicPr>
+            <a:picLocks noChangeAspect="1"/>
+          </p:cNvPicPr>
+          <p:nvPr/>
+        </p:nvPicPr>
+        <p:blipFill>
+          <a:blip r:embed="rId2">
+            <a:extLst>
+              <a:ext uri="{28A0092B-C50C-407E-A947-70E740481C1C}">
+                <a14:useLocalDpi xmlns:a14="http://schemas.microsoft.com/office/drawing/2010/main" val="0"/>
+              </a:ext>
+            </a:extLst>
+          </a:blip>
+          <a:stretch>
+            <a:fillRect/>
+          </a:stretch>
+        </p:blipFill>
+        <p:spPr>
+          <a:xfrm>
+            <a:off x="3424571" y="1429000"/>
+            <a:ext cx="5342857" cy="4000000"/>
+          </a:xfrm>
+          <a:prstGeom prst="rect">
+            <a:avLst/>
+          </a:prstGeom>
+        </p:spPr>
+      </p:pic>
+    </p:spTree>
+    <p:extLst>
+      <p:ext uri="{BB962C8B-B14F-4D97-AF65-F5344CB8AC3E}">
+        <p14:creationId xmlns:p14="http://schemas.microsoft.com/office/powerpoint/2010/main" val="3166241106"/>
+      </p:ext>
+    </p:extLst>
+  </p:cSld>
+  <p:clrMapOvr>
+    <a:masterClrMapping/>
+  </p:clrMapOvr>
+</p:sld>
+</file>
+
+<file path=ppt/slides/slide4.xml><?xml version="1.0" encoding="utf-8"?>
+<p:sld xmlns:a="http://schemas.openxmlformats.org/drawingml/2006/main" xmlns:r="http://schemas.openxmlformats.org/officeDocument/2006/relationships" xmlns:p="http://schemas.openxmlformats.org/presentationml/2006/main">
+  <p:cSld>
+    <p:spTree>
+      <p:nvGrpSpPr>
+        <p:cNvPr id="1" name=""/>
+        <p:cNvGrpSpPr/>
+        <p:nvPr/>
+      </p:nvGrpSpPr>
+      <p:grpSpPr>
+        <a:xfrm>
+          <a:off x="0" y="0"/>
+          <a:ext cx="0" cy="0"/>
+          <a:chOff x="0" y="0"/>
+          <a:chExt cx="0" cy="0"/>
+        </a:xfrm>
+      </p:grpSpPr>
+      <p:pic>
+        <p:nvPicPr>
+          <p:cNvPr id="3" name="図 2">
+            <a:extLst>
+              <a:ext uri="{FF2B5EF4-FFF2-40B4-BE49-F238E27FC236}">
+                <a16:creationId xmlns:a16="http://schemas.microsoft.com/office/drawing/2014/main" id="{AA7D36E9-BA08-414A-BD95-116F3445224C}"/>
+              </a:ext>
+            </a:extLst>
+          </p:cNvPr>
+          <p:cNvPicPr>
+            <a:picLocks noChangeAspect="1"/>
+          </p:cNvPicPr>
+          <p:nvPr/>
+        </p:nvPicPr>
+        <p:blipFill>
+          <a:blip r:embed="rId2">
+            <a:extLst>
+              <a:ext uri="{28A0092B-C50C-407E-A947-70E740481C1C}">
+                <a14:useLocalDpi xmlns:a14="http://schemas.microsoft.com/office/drawing/2010/main" val="0"/>
+              </a:ext>
+            </a:extLst>
+          </a:blip>
+          <a:stretch>
+            <a:fillRect/>
+          </a:stretch>
+        </p:blipFill>
+        <p:spPr>
+          <a:xfrm>
+            <a:off x="3424571" y="1429000"/>
+            <a:ext cx="5342857" cy="4000000"/>
+          </a:xfrm>
+          <a:prstGeom prst="rect">
+            <a:avLst/>
+          </a:prstGeom>
+        </p:spPr>
+      </p:pic>
+    </p:spTree>
+    <p:extLst>
+      <p:ext uri="{BB962C8B-B14F-4D97-AF65-F5344CB8AC3E}">
+        <p14:creationId xmlns:p14="http://schemas.microsoft.com/office/powerpoint/2010/main" val="3882195817"/>
+      </p:ext>
+    </p:extLst>
+  </p:cSld>
+  <p:clrMapOvr>
+    <a:masterClrMapping/>
+  </p:clrMapOvr>
+</p:sld>
+</file>
+
+<file path=ppt/slides/slide5.xml><?xml version="1.0" encoding="utf-8"?>
+<p:sld xmlns:a="http://schemas.openxmlformats.org/drawingml/2006/main" xmlns:r="http://schemas.openxmlformats.org/officeDocument/2006/relationships" xmlns:p="http://schemas.openxmlformats.org/presentationml/2006/main">
+  <p:cSld>
+    <p:spTree>
+      <p:nvGrpSpPr>
+        <p:cNvPr id="1" name=""/>
+        <p:cNvGrpSpPr/>
+        <p:nvPr/>
+      </p:nvGrpSpPr>
+      <p:grpSpPr>
+        <a:xfrm>
+          <a:off x="0" y="0"/>
+          <a:ext cx="0" cy="0"/>
+          <a:chOff x="0" y="0"/>
+          <a:chExt cx="0" cy="0"/>
+        </a:xfrm>
+      </p:grpSpPr>
+      <p:pic>
+        <p:nvPicPr>
+          <p:cNvPr id="3" name="図 2">
+            <a:extLst>
+              <a:ext uri="{FF2B5EF4-FFF2-40B4-BE49-F238E27FC236}">
+                <a16:creationId xmlns:a16="http://schemas.microsoft.com/office/drawing/2014/main" id="{0838278E-E967-4FDD-B331-1FF434DAC3F0}"/>
+              </a:ext>
+            </a:extLst>
+          </p:cNvPr>
+          <p:cNvPicPr>
+            <a:picLocks noChangeAspect="1"/>
+          </p:cNvPicPr>
+          <p:nvPr/>
+        </p:nvPicPr>
+        <p:blipFill>
+          <a:blip r:embed="rId2">
+            <a:extLst>
+              <a:ext uri="{28A0092B-C50C-407E-A947-70E740481C1C}">
+                <a14:useLocalDpi xmlns:a14="http://schemas.microsoft.com/office/drawing/2010/main" val="0"/>
+              </a:ext>
+            </a:extLst>
+          </a:blip>
+          <a:stretch>
+            <a:fillRect/>
+          </a:stretch>
+        </p:blipFill>
+        <p:spPr>
+          <a:xfrm>
+            <a:off x="3424571" y="1429000"/>
+            <a:ext cx="5342857" cy="4000000"/>
+          </a:xfrm>
+          <a:prstGeom prst="rect">
+            <a:avLst/>
+          </a:prstGeom>
+        </p:spPr>
+      </p:pic>
+    </p:spTree>
+    <p:extLst>
+      <p:ext uri="{BB962C8B-B14F-4D97-AF65-F5344CB8AC3E}">
+        <p14:creationId xmlns:p14="http://schemas.microsoft.com/office/powerpoint/2010/main" val="3783484464"/>
+      </p:ext>
+    </p:extLst>
+  </p:cSld>
+  <p:clrMapOvr>
+    <a:masterClrMapping/>
+  </p:clrMapOvr>
+</p:sld>
+</file>
+
+<file path=ppt/slides/slide6.xml><?xml version="1.0" encoding="utf-8"?>
+<p:sld xmlns:a="http://schemas.openxmlformats.org/drawingml/2006/main" xmlns:r="http://schemas.openxmlformats.org/officeDocument/2006/relationships" xmlns:p="http://schemas.openxmlformats.org/presentationml/2006/main">
+  <p:cSld>
+    <p:spTree>
+      <p:nvGrpSpPr>
+        <p:cNvPr id="1" name=""/>
+        <p:cNvGrpSpPr/>
+        <p:nvPr/>
+      </p:nvGrpSpPr>
+      <p:grpSpPr>
+        <a:xfrm>
+          <a:off x="0" y="0"/>
+          <a:ext cx="0" cy="0"/>
+          <a:chOff x="0" y="0"/>
+          <a:chExt cx="0" cy="0"/>
+        </a:xfrm>
+      </p:grpSpPr>
+      <p:pic>
+        <p:nvPicPr>
+          <p:cNvPr id="3" name="図 2">
+            <a:extLst>
+              <a:ext uri="{FF2B5EF4-FFF2-40B4-BE49-F238E27FC236}">
+                <a16:creationId xmlns:a16="http://schemas.microsoft.com/office/drawing/2014/main" id="{FBDE514F-FFD2-4C11-AB91-3F67FDBA0AC0}"/>
+              </a:ext>
+            </a:extLst>
+          </p:cNvPr>
+          <p:cNvPicPr>
+            <a:picLocks noChangeAspect="1"/>
+          </p:cNvPicPr>
+          <p:nvPr/>
+        </p:nvPicPr>
+        <p:blipFill>
+          <a:blip r:embed="rId2">
+            <a:extLst>
+              <a:ext uri="{28A0092B-C50C-407E-A947-70E740481C1C}">
+                <a14:useLocalDpi xmlns:a14="http://schemas.microsoft.com/office/drawing/2010/main" val="0"/>
+              </a:ext>
+            </a:extLst>
+          </a:blip>
+          <a:stretch>
+            <a:fillRect/>
+          </a:stretch>
+        </p:blipFill>
+        <p:spPr>
+          <a:xfrm>
+            <a:off x="3424571" y="1429000"/>
+            <a:ext cx="5342857" cy="4000000"/>
+          </a:xfrm>
+          <a:prstGeom prst="rect">
+            <a:avLst/>
+          </a:prstGeom>
+        </p:spPr>
+      </p:pic>
+    </p:spTree>
+    <p:extLst>
+      <p:ext uri="{BB962C8B-B14F-4D97-AF65-F5344CB8AC3E}">
+        <p14:creationId xmlns:p14="http://schemas.microsoft.com/office/powerpoint/2010/main" val="918303459"/>
+      </p:ext>
+    </p:extLst>
+  </p:cSld>
+  <p:clrMapOvr>
+    <a:masterClrMapping/>
+  </p:clrMapOvr>
+</p:sld>
+</file>
+
+<file path=ppt/slides/slide7.xml><?xml version="1.0" encoding="utf-8"?>
+<p:sld xmlns:a="http://schemas.openxmlformats.org/drawingml/2006/main" xmlns:r="http://schemas.openxmlformats.org/officeDocument/2006/relationships" xmlns:p="http://schemas.openxmlformats.org/presentationml/2006/main">
+  <p:cSld>
+    <p:spTree>
+      <p:nvGrpSpPr>
+        <p:cNvPr id="1" name=""/>
+        <p:cNvGrpSpPr/>
+        <p:nvPr/>
+      </p:nvGrpSpPr>
+      <p:grpSpPr>
+        <a:xfrm>
+          <a:off x="0" y="0"/>
+          <a:ext cx="0" cy="0"/>
+          <a:chOff x="0" y="0"/>
+          <a:chExt cx="0" cy="0"/>
+        </a:xfrm>
+      </p:grpSpPr>
+      <p:pic>
+        <p:nvPicPr>
+          <p:cNvPr id="3" name="図 2">
+            <a:extLst>
+              <a:ext uri="{FF2B5EF4-FFF2-40B4-BE49-F238E27FC236}">
+                <a16:creationId xmlns:a16="http://schemas.microsoft.com/office/drawing/2014/main" id="{237BF309-C974-4699-80DF-C1BEF0FE9303}"/>
               </a:ext>
             </a:extLst>
           </p:cNvPr>
